--- a/ppt/03-21.pptx
+++ b/ppt/03-21.pptx
@@ -11,6 +11,7 @@
     <p:sldId id="259" r:id="rId5"/>
     <p:sldId id="260" r:id="rId6"/>
     <p:sldId id="262" r:id="rId7"/>
+    <p:sldId id="263" r:id="rId8"/>
   </p:sldIdLst>
   <p:sldSz cx="12192000" cy="6858000"/>
   <p:notesSz cx="6858000" cy="9144000"/>
@@ -4645,6 +4646,314 @@
 </p:sld>
 </file>
 
+<file path=ppt/slides/slide7.xml><?xml version="1.0" encoding="utf-8"?>
+<p:sld xmlns:a="http://schemas.openxmlformats.org/drawingml/2006/main" xmlns:r="http://schemas.openxmlformats.org/officeDocument/2006/relationships" xmlns:p="http://schemas.openxmlformats.org/presentationml/2006/main">
+  <p:cSld>
+    <p:spTree>
+      <p:nvGrpSpPr>
+        <p:cNvPr id="1" name=""/>
+        <p:cNvGrpSpPr/>
+        <p:nvPr/>
+      </p:nvGrpSpPr>
+      <p:grpSpPr>
+        <a:xfrm>
+          <a:off x="0" y="0"/>
+          <a:ext cx="0" cy="0"/>
+          <a:chOff x="0" y="0"/>
+          <a:chExt cx="0" cy="0"/>
+        </a:xfrm>
+      </p:grpSpPr>
+      <p:sp>
+        <p:nvSpPr>
+          <p:cNvPr id="9" name="TextBox 8"/>
+          <p:cNvSpPr txBox="1"/>
+          <p:nvPr/>
+        </p:nvSpPr>
+        <p:spPr>
+          <a:xfrm>
+            <a:off x="412230" y="254832"/>
+            <a:ext cx="1821332" cy="369332"/>
+          </a:xfrm>
+          <a:prstGeom prst="rect">
+            <a:avLst/>
+          </a:prstGeom>
+          <a:noFill/>
+        </p:spPr>
+        <p:txBody>
+          <a:bodyPr wrap="none" rtlCol="0">
+            <a:spAutoFit/>
+          </a:bodyPr>
+          <a:lstStyle/>
+          <a:p>
+            <a:r>
+              <a:rPr lang="en-US" altLang="ko-KR" dirty="0"/>
+              <a:t>UI-SJN-23-001L</a:t>
+            </a:r>
+            <a:endParaRPr lang="ko-KR" altLang="en-US" dirty="0"/>
+          </a:p>
+        </p:txBody>
+      </p:sp>
+      <p:sp>
+        <p:nvSpPr>
+          <p:cNvPr id="12" name="TextBox 11"/>
+          <p:cNvSpPr txBox="1"/>
+          <p:nvPr/>
+        </p:nvSpPr>
+        <p:spPr>
+          <a:xfrm>
+            <a:off x="412230" y="846943"/>
+            <a:ext cx="8959504" cy="307777"/>
+          </a:xfrm>
+          <a:prstGeom prst="rect">
+            <a:avLst/>
+          </a:prstGeom>
+          <a:noFill/>
+        </p:spPr>
+        <p:txBody>
+          <a:bodyPr wrap="none" rtlCol="0">
+            <a:spAutoFit/>
+          </a:bodyPr>
+          <a:lstStyle/>
+          <a:p>
+            <a:r>
+              <a:rPr lang="en-US" altLang="ko-KR" sz="1400" dirty="0"/>
+              <a:t>6. </a:t>
+            </a:r>
+            <a:r>
+              <a:rPr lang="ko-KR" altLang="en-US" sz="1400" dirty="0"/>
+              <a:t>지도 에서 상세보기 팝업의 높이 조정하는 부분이 모바일 터치로는 되는데 마우스로는 안되는 부분 입니다</a:t>
+            </a:r>
+            <a:r>
+              <a:rPr lang="en-US" altLang="ko-KR" sz="1400" dirty="0"/>
+              <a:t>.</a:t>
+            </a:r>
+            <a:endParaRPr lang="ko-KR" altLang="en-US" sz="1400" dirty="0"/>
+          </a:p>
+        </p:txBody>
+      </p:sp>
+      <p:pic>
+        <p:nvPicPr>
+          <p:cNvPr id="7" name="그림 6"/>
+          <p:cNvPicPr>
+            <a:picLocks noChangeAspect="1"/>
+          </p:cNvPicPr>
+          <p:nvPr/>
+        </p:nvPicPr>
+        <p:blipFill>
+          <a:blip r:embed="rId2"/>
+          <a:stretch>
+            <a:fillRect/>
+          </a:stretch>
+        </p:blipFill>
+        <p:spPr>
+          <a:xfrm>
+            <a:off x="610046" y="1361991"/>
+            <a:ext cx="2612839" cy="5313449"/>
+          </a:xfrm>
+          <a:prstGeom prst="rect">
+            <a:avLst/>
+          </a:prstGeom>
+        </p:spPr>
+      </p:pic>
+      <p:cxnSp>
+        <p:nvCxnSpPr>
+          <p:cNvPr id="10" name="직선 화살표 연결선 9"/>
+          <p:cNvCxnSpPr/>
+          <p:nvPr/>
+        </p:nvCxnSpPr>
+        <p:spPr>
+          <a:xfrm>
+            <a:off x="3425252" y="4204741"/>
+            <a:ext cx="0" cy="2470699"/>
+          </a:xfrm>
+          <a:prstGeom prst="straightConnector1">
+            <a:avLst/>
+          </a:prstGeom>
+          <a:ln>
+            <a:headEnd type="triangle"/>
+            <a:tailEnd type="triangle"/>
+          </a:ln>
+        </p:spPr>
+        <p:style>
+          <a:lnRef idx="1">
+            <a:schemeClr val="accent1"/>
+          </a:lnRef>
+          <a:fillRef idx="0">
+            <a:schemeClr val="accent1"/>
+          </a:fillRef>
+          <a:effectRef idx="0">
+            <a:schemeClr val="accent1"/>
+          </a:effectRef>
+          <a:fontRef idx="minor">
+            <a:schemeClr val="tx1"/>
+          </a:fontRef>
+        </p:style>
+      </p:cxnSp>
+      <p:sp>
+        <p:nvSpPr>
+          <p:cNvPr id="17" name="TextBox 16"/>
+          <p:cNvSpPr txBox="1"/>
+          <p:nvPr/>
+        </p:nvSpPr>
+        <p:spPr>
+          <a:xfrm>
+            <a:off x="3548481" y="5132313"/>
+            <a:ext cx="902811" cy="307777"/>
+          </a:xfrm>
+          <a:prstGeom prst="rect">
+            <a:avLst/>
+          </a:prstGeom>
+          <a:noFill/>
+        </p:spPr>
+        <p:txBody>
+          <a:bodyPr wrap="none" rtlCol="0">
+            <a:spAutoFit/>
+          </a:bodyPr>
+          <a:lstStyle/>
+          <a:p>
+            <a:r>
+              <a:rPr lang="ko-KR" altLang="en-US" sz="1400" dirty="0" err="1" smtClean="0"/>
+              <a:t>터치영역</a:t>
+            </a:r>
+            <a:endParaRPr lang="ko-KR" altLang="en-US" sz="1400" dirty="0"/>
+          </a:p>
+        </p:txBody>
+      </p:sp>
+      <p:cxnSp>
+        <p:nvCxnSpPr>
+          <p:cNvPr id="19" name="직선 화살표 연결선 18"/>
+          <p:cNvCxnSpPr/>
+          <p:nvPr/>
+        </p:nvCxnSpPr>
+        <p:spPr>
+          <a:xfrm>
+            <a:off x="3425252" y="1626433"/>
+            <a:ext cx="0" cy="2470699"/>
+          </a:xfrm>
+          <a:prstGeom prst="straightConnector1">
+            <a:avLst/>
+          </a:prstGeom>
+          <a:ln>
+            <a:headEnd type="triangle"/>
+            <a:tailEnd type="triangle"/>
+          </a:ln>
+        </p:spPr>
+        <p:style>
+          <a:lnRef idx="1">
+            <a:schemeClr val="accent1"/>
+          </a:lnRef>
+          <a:fillRef idx="0">
+            <a:schemeClr val="accent1"/>
+          </a:fillRef>
+          <a:effectRef idx="0">
+            <a:schemeClr val="accent1"/>
+          </a:effectRef>
+          <a:fontRef idx="minor">
+            <a:schemeClr val="tx1"/>
+          </a:fontRef>
+        </p:style>
+      </p:cxnSp>
+      <p:sp>
+        <p:nvSpPr>
+          <p:cNvPr id="20" name="TextBox 19"/>
+          <p:cNvSpPr txBox="1"/>
+          <p:nvPr/>
+        </p:nvSpPr>
+        <p:spPr>
+          <a:xfrm>
+            <a:off x="3548481" y="2666431"/>
+            <a:ext cx="1324402" cy="307777"/>
+          </a:xfrm>
+          <a:prstGeom prst="rect">
+            <a:avLst/>
+          </a:prstGeom>
+          <a:noFill/>
+        </p:spPr>
+        <p:txBody>
+          <a:bodyPr wrap="none" rtlCol="0">
+            <a:spAutoFit/>
+          </a:bodyPr>
+          <a:lstStyle/>
+          <a:p>
+            <a:r>
+              <a:rPr lang="ko-KR" altLang="en-US" sz="1400" dirty="0" err="1" smtClean="0"/>
+              <a:t>인식오류</a:t>
+            </a:r>
+            <a:r>
+              <a:rPr lang="ko-KR" altLang="en-US" sz="1400" dirty="0" smtClean="0"/>
+              <a:t> 영역</a:t>
+            </a:r>
+            <a:endParaRPr lang="ko-KR" altLang="en-US" sz="1400" dirty="0"/>
+          </a:p>
+        </p:txBody>
+      </p:sp>
+      <p:sp>
+        <p:nvSpPr>
+          <p:cNvPr id="21" name="TextBox 20"/>
+          <p:cNvSpPr txBox="1"/>
+          <p:nvPr/>
+        </p:nvSpPr>
+        <p:spPr>
+          <a:xfrm>
+            <a:off x="3542066" y="3158936"/>
+            <a:ext cx="5110694" cy="307777"/>
+          </a:xfrm>
+          <a:prstGeom prst="rect">
+            <a:avLst/>
+          </a:prstGeom>
+          <a:noFill/>
+        </p:spPr>
+        <p:txBody>
+          <a:bodyPr wrap="none" rtlCol="0">
+            <a:spAutoFit/>
+          </a:bodyPr>
+          <a:lstStyle/>
+          <a:p>
+            <a:r>
+              <a:rPr lang="ko-KR" altLang="en-US" sz="1400" dirty="0" smtClean="0">
+                <a:solidFill>
+                  <a:srgbClr val="FF0000"/>
+                </a:solidFill>
+              </a:rPr>
+              <a:t>마우스를 빠르게 인식 오류 영역으로 올리면 </a:t>
+            </a:r>
+            <a:r>
+              <a:rPr lang="ko-KR" altLang="en-US" sz="1400" dirty="0" smtClean="0">
+                <a:solidFill>
+                  <a:srgbClr val="FF0000"/>
+                </a:solidFill>
+              </a:rPr>
+              <a:t>문제가 있습니다</a:t>
+            </a:r>
+            <a:r>
+              <a:rPr lang="en-US" altLang="ko-KR" sz="1400" dirty="0" smtClean="0">
+                <a:solidFill>
+                  <a:srgbClr val="FF0000"/>
+                </a:solidFill>
+              </a:rPr>
+              <a:t>.</a:t>
+            </a:r>
+            <a:endParaRPr lang="ko-KR" altLang="en-US" sz="1400" dirty="0">
+              <a:solidFill>
+                <a:srgbClr val="FF0000"/>
+              </a:solidFill>
+            </a:endParaRPr>
+          </a:p>
+        </p:txBody>
+      </p:sp>
+    </p:spTree>
+    <p:extLst>
+      <p:ext uri="{BB962C8B-B14F-4D97-AF65-F5344CB8AC3E}">
+        <p14:creationId xmlns:p14="http://schemas.microsoft.com/office/powerpoint/2010/main" val="1113022971"/>
+      </p:ext>
+    </p:extLst>
+  </p:cSld>
+  <p:clrMapOvr>
+    <a:masterClrMapping/>
+  </p:clrMapOvr>
+</p:sld>
+</file>
+
 <file path=ppt/theme/theme1.xml><?xml version="1.0" encoding="utf-8"?>
 <a:theme xmlns:a="http://schemas.openxmlformats.org/drawingml/2006/main" name="Office 테마">
   <a:themeElements>

--- a/ppt/03-21.pptx
+++ b/ppt/03-21.pptx
@@ -12,6 +12,7 @@
     <p:sldId id="260" r:id="rId6"/>
     <p:sldId id="262" r:id="rId7"/>
     <p:sldId id="263" r:id="rId8"/>
+    <p:sldId id="264" r:id="rId9"/>
   </p:sldIdLst>
   <p:sldSz cx="12192000" cy="6858000"/>
   <p:notesSz cx="6858000" cy="9144000"/>
@@ -4748,7 +4749,7 @@
         <p:spPr>
           <a:xfrm>
             <a:off x="610046" y="1361991"/>
-            <a:ext cx="2612839" cy="5313449"/>
+            <a:ext cx="2402977" cy="4886675"/>
           </a:xfrm>
           <a:prstGeom prst="rect">
             <a:avLst/>
@@ -4763,7 +4764,7 @@
         </p:nvCxnSpPr>
         <p:spPr>
           <a:xfrm>
-            <a:off x="3425252" y="4204741"/>
+            <a:off x="3297835" y="3896963"/>
             <a:ext cx="0" cy="2470699"/>
           </a:xfrm>
           <a:prstGeom prst="straightConnector1">
@@ -4827,7 +4828,7 @@
         </p:nvCxnSpPr>
         <p:spPr>
           <a:xfrm>
-            <a:off x="3425252" y="1626433"/>
+            <a:off x="3312824" y="1361991"/>
             <a:ext cx="0" cy="2470699"/>
           </a:xfrm>
           <a:prstGeom prst="straightConnector1">
@@ -4915,15 +4916,7 @@
                   <a:srgbClr val="FF0000"/>
                 </a:solidFill>
               </a:rPr>
-              <a:t>마우스를 빠르게 인식 오류 영역으로 올리면 </a:t>
-            </a:r>
-            <a:r>
-              <a:rPr lang="ko-KR" altLang="en-US" sz="1400" dirty="0" smtClean="0">
-                <a:solidFill>
-                  <a:srgbClr val="FF0000"/>
-                </a:solidFill>
-              </a:rPr>
-              <a:t>문제가 있습니다</a:t>
+              <a:t>마우스를 빠르게 인식 오류 영역으로 올리면 문제가 있습니다</a:t>
             </a:r>
             <a:r>
               <a:rPr lang="en-US" altLang="ko-KR" sz="1400" dirty="0" smtClean="0">
@@ -4941,10 +4934,415 @@
           </a:p>
         </p:txBody>
       </p:sp>
+      <p:sp>
+        <p:nvSpPr>
+          <p:cNvPr id="11" name="직사각형 10"/>
+          <p:cNvSpPr/>
+          <p:nvPr/>
+        </p:nvSpPr>
+        <p:spPr>
+          <a:xfrm>
+            <a:off x="0" y="6408295"/>
+            <a:ext cx="12192000" cy="449705"/>
+          </a:xfrm>
+          <a:prstGeom prst="rect">
+            <a:avLst/>
+          </a:prstGeom>
+        </p:spPr>
+        <p:style>
+          <a:lnRef idx="2">
+            <a:schemeClr val="accent1">
+              <a:shade val="50000"/>
+            </a:schemeClr>
+          </a:lnRef>
+          <a:fillRef idx="1">
+            <a:schemeClr val="accent1"/>
+          </a:fillRef>
+          <a:effectRef idx="0">
+            <a:schemeClr val="accent1"/>
+          </a:effectRef>
+          <a:fontRef idx="minor">
+            <a:schemeClr val="lt1"/>
+          </a:fontRef>
+        </p:style>
+        <p:txBody>
+          <a:bodyPr rtlCol="0" anchor="ctr"/>
+          <a:lstStyle/>
+          <a:p>
+            <a:pPr algn="ctr"/>
+            <a:r>
+              <a:rPr lang="ko-KR" altLang="en-US" dirty="0" smtClean="0"/>
+              <a:t>아래에 계속</a:t>
+            </a:r>
+            <a:endParaRPr lang="ko-KR" altLang="en-US" dirty="0"/>
+          </a:p>
+        </p:txBody>
+      </p:sp>
     </p:spTree>
     <p:extLst>
       <p:ext uri="{BB962C8B-B14F-4D97-AF65-F5344CB8AC3E}">
         <p14:creationId xmlns:p14="http://schemas.microsoft.com/office/powerpoint/2010/main" val="1113022971"/>
+      </p:ext>
+    </p:extLst>
+  </p:cSld>
+  <p:clrMapOvr>
+    <a:masterClrMapping/>
+  </p:clrMapOvr>
+</p:sld>
+</file>
+
+<file path=ppt/slides/slide8.xml><?xml version="1.0" encoding="utf-8"?>
+<p:sld xmlns:a="http://schemas.openxmlformats.org/drawingml/2006/main" xmlns:r="http://schemas.openxmlformats.org/officeDocument/2006/relationships" xmlns:p="http://schemas.openxmlformats.org/presentationml/2006/main">
+  <p:cSld>
+    <p:spTree>
+      <p:nvGrpSpPr>
+        <p:cNvPr id="1" name=""/>
+        <p:cNvGrpSpPr/>
+        <p:nvPr/>
+      </p:nvGrpSpPr>
+      <p:grpSpPr>
+        <a:xfrm>
+          <a:off x="0" y="0"/>
+          <a:ext cx="0" cy="0"/>
+          <a:chOff x="0" y="0"/>
+          <a:chExt cx="0" cy="0"/>
+        </a:xfrm>
+      </p:grpSpPr>
+      <p:sp>
+        <p:nvSpPr>
+          <p:cNvPr id="13" name="TextBox 12"/>
+          <p:cNvSpPr txBox="1"/>
+          <p:nvPr/>
+        </p:nvSpPr>
+        <p:spPr>
+          <a:xfrm>
+            <a:off x="3366089" y="5595665"/>
+            <a:ext cx="543739" cy="307777"/>
+          </a:xfrm>
+          <a:prstGeom prst="rect">
+            <a:avLst/>
+          </a:prstGeom>
+          <a:noFill/>
+        </p:spPr>
+        <p:txBody>
+          <a:bodyPr wrap="none" rtlCol="0">
+            <a:spAutoFit/>
+          </a:bodyPr>
+          <a:lstStyle/>
+          <a:p>
+            <a:r>
+              <a:rPr lang="ko-KR" altLang="en-US" sz="1400" dirty="0" smtClean="0"/>
+              <a:t>기본</a:t>
+            </a:r>
+            <a:endParaRPr lang="ko-KR" altLang="en-US" sz="1400" dirty="0"/>
+          </a:p>
+        </p:txBody>
+      </p:sp>
+      <p:sp>
+        <p:nvSpPr>
+          <p:cNvPr id="14" name="TextBox 13"/>
+          <p:cNvSpPr txBox="1"/>
+          <p:nvPr/>
+        </p:nvSpPr>
+        <p:spPr>
+          <a:xfrm>
+            <a:off x="6753867" y="462875"/>
+            <a:ext cx="1925527" cy="307777"/>
+          </a:xfrm>
+          <a:prstGeom prst="rect">
+            <a:avLst/>
+          </a:prstGeom>
+          <a:noFill/>
+        </p:spPr>
+        <p:txBody>
+          <a:bodyPr wrap="none" rtlCol="0">
+            <a:spAutoFit/>
+          </a:bodyPr>
+          <a:lstStyle/>
+          <a:p>
+            <a:r>
+              <a:rPr lang="ko-KR" altLang="en-US" sz="1400" dirty="0" err="1" smtClean="0"/>
+              <a:t>정보영역</a:t>
+            </a:r>
+            <a:r>
+              <a:rPr lang="ko-KR" altLang="en-US" sz="1400" dirty="0" smtClean="0"/>
+              <a:t> 올렸을 경우</a:t>
+            </a:r>
+            <a:endParaRPr lang="ko-KR" altLang="en-US" sz="1400" dirty="0"/>
+          </a:p>
+        </p:txBody>
+      </p:sp>
+      <p:pic>
+        <p:nvPicPr>
+          <p:cNvPr id="4" name="그림 3"/>
+          <p:cNvPicPr>
+            <a:picLocks noChangeAspect="1"/>
+          </p:cNvPicPr>
+          <p:nvPr/>
+        </p:nvPicPr>
+        <p:blipFill>
+          <a:blip r:embed="rId2"/>
+          <a:stretch>
+            <a:fillRect/>
+          </a:stretch>
+        </p:blipFill>
+        <p:spPr>
+          <a:xfrm>
+            <a:off x="3637958" y="176977"/>
+            <a:ext cx="2619352" cy="4279080"/>
+          </a:xfrm>
+          <a:prstGeom prst="rect">
+            <a:avLst/>
+          </a:prstGeom>
+        </p:spPr>
+      </p:pic>
+      <p:pic>
+        <p:nvPicPr>
+          <p:cNvPr id="5" name="그림 4"/>
+          <p:cNvPicPr>
+            <a:picLocks noChangeAspect="1"/>
+          </p:cNvPicPr>
+          <p:nvPr/>
+        </p:nvPicPr>
+        <p:blipFill>
+          <a:blip r:embed="rId3"/>
+          <a:stretch>
+            <a:fillRect/>
+          </a:stretch>
+        </p:blipFill>
+        <p:spPr>
+          <a:xfrm>
+            <a:off x="449706" y="281908"/>
+            <a:ext cx="2592774" cy="6286747"/>
+          </a:xfrm>
+          <a:prstGeom prst="rect">
+            <a:avLst/>
+          </a:prstGeom>
+        </p:spPr>
+      </p:pic>
+      <p:cxnSp>
+        <p:nvCxnSpPr>
+          <p:cNvPr id="8" name="직선 화살표 연결선 7"/>
+          <p:cNvCxnSpPr/>
+          <p:nvPr/>
+        </p:nvCxnSpPr>
+        <p:spPr>
+          <a:xfrm flipH="1">
+            <a:off x="5493896" y="599606"/>
+            <a:ext cx="1139252" cy="0"/>
+          </a:xfrm>
+          <a:prstGeom prst="straightConnector1">
+            <a:avLst/>
+          </a:prstGeom>
+          <a:ln>
+            <a:tailEnd type="triangle"/>
+          </a:ln>
+        </p:spPr>
+        <p:style>
+          <a:lnRef idx="1">
+            <a:schemeClr val="accent1"/>
+          </a:lnRef>
+          <a:fillRef idx="0">
+            <a:schemeClr val="accent1"/>
+          </a:fillRef>
+          <a:effectRef idx="0">
+            <a:schemeClr val="accent1"/>
+          </a:effectRef>
+          <a:fontRef idx="minor">
+            <a:schemeClr val="tx1"/>
+          </a:fontRef>
+        </p:style>
+      </p:cxnSp>
+      <p:cxnSp>
+        <p:nvCxnSpPr>
+          <p:cNvPr id="16" name="직선 화살표 연결선 15"/>
+          <p:cNvCxnSpPr/>
+          <p:nvPr/>
+        </p:nvCxnSpPr>
+        <p:spPr>
+          <a:xfrm flipH="1">
+            <a:off x="2248525" y="5733738"/>
+            <a:ext cx="996845" cy="0"/>
+          </a:xfrm>
+          <a:prstGeom prst="straightConnector1">
+            <a:avLst/>
+          </a:prstGeom>
+          <a:ln>
+            <a:tailEnd type="triangle"/>
+          </a:ln>
+        </p:spPr>
+        <p:style>
+          <a:lnRef idx="1">
+            <a:schemeClr val="accent1"/>
+          </a:lnRef>
+          <a:fillRef idx="0">
+            <a:schemeClr val="accent1"/>
+          </a:fillRef>
+          <a:effectRef idx="0">
+            <a:schemeClr val="accent1"/>
+          </a:effectRef>
+          <a:fontRef idx="minor">
+            <a:schemeClr val="tx1"/>
+          </a:fontRef>
+        </p:style>
+      </p:cxnSp>
+      <p:pic>
+        <p:nvPicPr>
+          <p:cNvPr id="18" name="그림 17"/>
+          <p:cNvPicPr>
+            <a:picLocks noChangeAspect="1"/>
+          </p:cNvPicPr>
+          <p:nvPr/>
+        </p:nvPicPr>
+        <p:blipFill>
+          <a:blip r:embed="rId4"/>
+          <a:stretch>
+            <a:fillRect/>
+          </a:stretch>
+        </p:blipFill>
+        <p:spPr>
+          <a:xfrm>
+            <a:off x="7705226" y="3057994"/>
+            <a:ext cx="3287484" cy="1069230"/>
+          </a:xfrm>
+          <a:prstGeom prst="rect">
+            <a:avLst/>
+          </a:prstGeom>
+        </p:spPr>
+      </p:pic>
+      <p:cxnSp>
+        <p:nvCxnSpPr>
+          <p:cNvPr id="23" name="직선 화살표 연결선 22"/>
+          <p:cNvCxnSpPr/>
+          <p:nvPr/>
+        </p:nvCxnSpPr>
+        <p:spPr>
+          <a:xfrm flipV="1">
+            <a:off x="9356463" y="3592609"/>
+            <a:ext cx="0" cy="1543987"/>
+          </a:xfrm>
+          <a:prstGeom prst="straightConnector1">
+            <a:avLst/>
+          </a:prstGeom>
+          <a:ln>
+            <a:tailEnd type="triangle"/>
+          </a:ln>
+        </p:spPr>
+        <p:style>
+          <a:lnRef idx="1">
+            <a:schemeClr val="accent1"/>
+          </a:lnRef>
+          <a:fillRef idx="0">
+            <a:schemeClr val="accent1"/>
+          </a:fillRef>
+          <a:effectRef idx="0">
+            <a:schemeClr val="accent1"/>
+          </a:effectRef>
+          <a:fontRef idx="minor">
+            <a:schemeClr val="tx1"/>
+          </a:fontRef>
+        </p:style>
+      </p:cxnSp>
+      <p:sp>
+        <p:nvSpPr>
+          <p:cNvPr id="24" name="TextBox 23"/>
+          <p:cNvSpPr txBox="1"/>
+          <p:nvPr/>
+        </p:nvSpPr>
+        <p:spPr>
+          <a:xfrm>
+            <a:off x="8533263" y="5363434"/>
+            <a:ext cx="1631409" cy="307777"/>
+          </a:xfrm>
+          <a:prstGeom prst="rect">
+            <a:avLst/>
+          </a:prstGeom>
+          <a:noFill/>
+        </p:spPr>
+        <p:txBody>
+          <a:bodyPr wrap="none" rtlCol="0">
+            <a:spAutoFit/>
+          </a:bodyPr>
+          <a:lstStyle/>
+          <a:p>
+            <a:r>
+              <a:rPr lang="en-US" altLang="ko-KR" sz="1400" dirty="0" smtClean="0"/>
+              <a:t>420px </a:t>
+            </a:r>
+            <a:r>
+              <a:rPr lang="ko-KR" altLang="en-US" sz="1400" dirty="0" err="1" smtClean="0"/>
+              <a:t>이하일경우</a:t>
+            </a:r>
+            <a:endParaRPr lang="ko-KR" altLang="en-US" sz="1400" dirty="0"/>
+          </a:p>
+        </p:txBody>
+      </p:sp>
+      <p:sp>
+        <p:nvSpPr>
+          <p:cNvPr id="25" name="TextBox 24"/>
+          <p:cNvSpPr txBox="1"/>
+          <p:nvPr/>
+        </p:nvSpPr>
+        <p:spPr>
+          <a:xfrm>
+            <a:off x="4238038" y="6260878"/>
+            <a:ext cx="4307589" cy="307777"/>
+          </a:xfrm>
+          <a:prstGeom prst="rect">
+            <a:avLst/>
+          </a:prstGeom>
+          <a:noFill/>
+        </p:spPr>
+        <p:txBody>
+          <a:bodyPr wrap="none" rtlCol="0">
+            <a:spAutoFit/>
+          </a:bodyPr>
+          <a:lstStyle/>
+          <a:p>
+            <a:r>
+              <a:rPr lang="ko-KR" altLang="en-US" sz="1400" dirty="0" smtClean="0">
+                <a:solidFill>
+                  <a:srgbClr val="FF0000"/>
+                </a:solidFill>
+              </a:rPr>
+              <a:t>디자인이 쉽지 않네요</a:t>
+            </a:r>
+            <a:r>
+              <a:rPr lang="en-US" altLang="ko-KR" sz="1400" dirty="0" smtClean="0">
+                <a:solidFill>
+                  <a:srgbClr val="FF0000"/>
+                </a:solidFill>
+              </a:rPr>
+              <a:t>. </a:t>
+            </a:r>
+            <a:r>
+              <a:rPr lang="ko-KR" altLang="en-US" sz="1400" dirty="0" smtClean="0">
+                <a:solidFill>
+                  <a:srgbClr val="FF0000"/>
+                </a:solidFill>
+              </a:rPr>
+              <a:t>디자이너 손길이 필요합니다</a:t>
+            </a:r>
+            <a:r>
+              <a:rPr lang="en-US" altLang="ko-KR" sz="1400" dirty="0" smtClean="0">
+                <a:solidFill>
+                  <a:srgbClr val="FF0000"/>
+                </a:solidFill>
+              </a:rPr>
+              <a:t>.</a:t>
+            </a:r>
+            <a:endParaRPr lang="ko-KR" altLang="en-US" sz="1400" dirty="0">
+              <a:solidFill>
+                <a:srgbClr val="FF0000"/>
+              </a:solidFill>
+            </a:endParaRPr>
+          </a:p>
+        </p:txBody>
+      </p:sp>
+    </p:spTree>
+    <p:extLst>
+      <p:ext uri="{BB962C8B-B14F-4D97-AF65-F5344CB8AC3E}">
+        <p14:creationId xmlns:p14="http://schemas.microsoft.com/office/powerpoint/2010/main" val="2664854697"/>
       </p:ext>
     </p:extLst>
   </p:cSld>
